--- a/plots/Manuscript_Draft/normalisation_analysis/normalisation_analysis.pptx
+++ b/plots/Manuscript_Draft/normalisation_analysis/normalisation_analysis.pptx
@@ -107,6 +107,11 @@
       </a:defRPr>
     </a:lvl9pPr>
   </p:defaultTextStyle>
+  <p:extLst>
+    <p:ext uri="{EFAFB233-063F-42B5-8137-9DF3F51BA10A}">
+      <p15:sldGuideLst xmlns:p15="http://schemas.microsoft.com/office/powerpoint/2012/main"/>
+    </p:ext>
+  </p:extLst>
 </p:presentation>
 </file>
 
@@ -192,7 +197,7 @@
           <a:p>
             <a:fld id="{4975F597-C9E6-5340-A013-5D29232D8A98}" type="datetimeFigureOut">
               <a:rPr lang="en-AU" smtClean="0"/>
-              <a:t>19/3/2023</a:t>
+              <a:t>23/3/2023</a:t>
             </a:fld>
             <a:endParaRPr lang="en-AU"/>
           </a:p>
@@ -693,7 +698,7 @@
           <a:p>
             <a:fld id="{DC911456-B642-9E4A-B90A-EDCCB7A47560}" type="datetimeFigureOut">
               <a:rPr lang="en-AU" smtClean="0"/>
-              <a:t>19/3/2023</a:t>
+              <a:t>23/3/2023</a:t>
             </a:fld>
             <a:endParaRPr lang="en-AU"/>
           </a:p>
@@ -893,7 +898,7 @@
           <a:p>
             <a:fld id="{DC911456-B642-9E4A-B90A-EDCCB7A47560}" type="datetimeFigureOut">
               <a:rPr lang="en-AU" smtClean="0"/>
-              <a:t>19/3/2023</a:t>
+              <a:t>23/3/2023</a:t>
             </a:fld>
             <a:endParaRPr lang="en-AU"/>
           </a:p>
@@ -1103,7 +1108,7 @@
           <a:p>
             <a:fld id="{DC911456-B642-9E4A-B90A-EDCCB7A47560}" type="datetimeFigureOut">
               <a:rPr lang="en-AU" smtClean="0"/>
-              <a:t>19/3/2023</a:t>
+              <a:t>23/3/2023</a:t>
             </a:fld>
             <a:endParaRPr lang="en-AU"/>
           </a:p>
@@ -1303,7 +1308,7 @@
           <a:p>
             <a:fld id="{DC911456-B642-9E4A-B90A-EDCCB7A47560}" type="datetimeFigureOut">
               <a:rPr lang="en-AU" smtClean="0"/>
-              <a:t>19/3/2023</a:t>
+              <a:t>23/3/2023</a:t>
             </a:fld>
             <a:endParaRPr lang="en-AU"/>
           </a:p>
@@ -1579,7 +1584,7 @@
           <a:p>
             <a:fld id="{DC911456-B642-9E4A-B90A-EDCCB7A47560}" type="datetimeFigureOut">
               <a:rPr lang="en-AU" smtClean="0"/>
-              <a:t>19/3/2023</a:t>
+              <a:t>23/3/2023</a:t>
             </a:fld>
             <a:endParaRPr lang="en-AU"/>
           </a:p>
@@ -1847,7 +1852,7 @@
           <a:p>
             <a:fld id="{DC911456-B642-9E4A-B90A-EDCCB7A47560}" type="datetimeFigureOut">
               <a:rPr lang="en-AU" smtClean="0"/>
-              <a:t>19/3/2023</a:t>
+              <a:t>23/3/2023</a:t>
             </a:fld>
             <a:endParaRPr lang="en-AU"/>
           </a:p>
@@ -2262,7 +2267,7 @@
           <a:p>
             <a:fld id="{DC911456-B642-9E4A-B90A-EDCCB7A47560}" type="datetimeFigureOut">
               <a:rPr lang="en-AU" smtClean="0"/>
-              <a:t>19/3/2023</a:t>
+              <a:t>23/3/2023</a:t>
             </a:fld>
             <a:endParaRPr lang="en-AU"/>
           </a:p>
@@ -2404,7 +2409,7 @@
           <a:p>
             <a:fld id="{DC911456-B642-9E4A-B90A-EDCCB7A47560}" type="datetimeFigureOut">
               <a:rPr lang="en-AU" smtClean="0"/>
-              <a:t>19/3/2023</a:t>
+              <a:t>23/3/2023</a:t>
             </a:fld>
             <a:endParaRPr lang="en-AU"/>
           </a:p>
@@ -2517,7 +2522,7 @@
           <a:p>
             <a:fld id="{DC911456-B642-9E4A-B90A-EDCCB7A47560}" type="datetimeFigureOut">
               <a:rPr lang="en-AU" smtClean="0"/>
-              <a:t>19/3/2023</a:t>
+              <a:t>23/3/2023</a:t>
             </a:fld>
             <a:endParaRPr lang="en-AU"/>
           </a:p>
@@ -2830,7 +2835,7 @@
           <a:p>
             <a:fld id="{DC911456-B642-9E4A-B90A-EDCCB7A47560}" type="datetimeFigureOut">
               <a:rPr lang="en-AU" smtClean="0"/>
-              <a:t>19/3/2023</a:t>
+              <a:t>23/3/2023</a:t>
             </a:fld>
             <a:endParaRPr lang="en-AU"/>
           </a:p>
@@ -3119,7 +3124,7 @@
           <a:p>
             <a:fld id="{DC911456-B642-9E4A-B90A-EDCCB7A47560}" type="datetimeFigureOut">
               <a:rPr lang="en-AU" smtClean="0"/>
-              <a:t>19/3/2023</a:t>
+              <a:t>23/3/2023</a:t>
             </a:fld>
             <a:endParaRPr lang="en-AU"/>
           </a:p>
@@ -3362,7 +3367,7 @@
           <a:p>
             <a:fld id="{DC911456-B642-9E4A-B90A-EDCCB7A47560}" type="datetimeFigureOut">
               <a:rPr lang="en-AU" smtClean="0"/>
-              <a:t>19/3/2023</a:t>
+              <a:t>23/3/2023</a:t>
             </a:fld>
             <a:endParaRPr lang="en-AU"/>
           </a:p>

--- a/plots/Manuscript_Draft/normalisation_analysis/normalisation_analysis.pptx
+++ b/plots/Manuscript_Draft/normalisation_analysis/normalisation_analysis.pptx
@@ -3834,470 +3834,390 @@
           </a:p>
         </p:txBody>
       </p:sp>
-      <p:grpSp>
-        <p:nvGrpSpPr>
-          <p:cNvPr id="16" name="Group 15">
-            <a:extLst>
-              <a:ext uri="{FF2B5EF4-FFF2-40B4-BE49-F238E27FC236}">
-                <a16:creationId xmlns:a16="http://schemas.microsoft.com/office/drawing/2014/main" id="{C9443D1B-A4BB-7A6B-61EF-F2E56C1FAB71}"/>
-              </a:ext>
-            </a:extLst>
-          </p:cNvPr>
-          <p:cNvGrpSpPr/>
+      <p:sp>
+        <p:nvSpPr>
+          <p:cNvPr id="9" name="TextBox 8">
+            <a:extLst>
+              <a:ext uri="{FF2B5EF4-FFF2-40B4-BE49-F238E27FC236}">
+                <a16:creationId xmlns:a16="http://schemas.microsoft.com/office/drawing/2014/main" id="{728ACCB6-CFDF-F3CA-E20A-12E73D0213CF}"/>
+              </a:ext>
+            </a:extLst>
+          </p:cNvPr>
+          <p:cNvSpPr txBox="1"/>
           <p:nvPr/>
-        </p:nvGrpSpPr>
-        <p:grpSpPr>
+        </p:nvSpPr>
+        <p:spPr>
           <a:xfrm>
-            <a:off x="105553" y="123539"/>
-            <a:ext cx="8924326" cy="3073783"/>
-            <a:chOff x="3419855" y="374494"/>
-            <a:chExt cx="15867534" cy="5465214"/>
+            <a:off x="302615" y="47721"/>
+            <a:ext cx="4082988" cy="307777"/>
           </a:xfrm>
-        </p:grpSpPr>
-        <p:grpSp>
-          <p:nvGrpSpPr>
-            <p:cNvPr id="2" name="Group 1">
-              <a:extLst>
-                <a:ext uri="{FF2B5EF4-FFF2-40B4-BE49-F238E27FC236}">
-                  <a16:creationId xmlns:a16="http://schemas.microsoft.com/office/drawing/2014/main" id="{FDAF2B71-0452-B5DA-5651-2B6E52D5AEC3}"/>
-                </a:ext>
-              </a:extLst>
-            </p:cNvPr>
-            <p:cNvGrpSpPr/>
-            <p:nvPr/>
-          </p:nvGrpSpPr>
-          <p:grpSpPr>
-            <a:xfrm>
-              <a:off x="3419856" y="374494"/>
-              <a:ext cx="15867533" cy="5465214"/>
-              <a:chOff x="131998" y="939522"/>
-              <a:chExt cx="21075630" cy="7259026"/>
-            </a:xfrm>
-          </p:grpSpPr>
-          <p:pic>
-            <p:nvPicPr>
-              <p:cNvPr id="13" name="Picture 12">
-                <a:extLst>
-                  <a:ext uri="{FF2B5EF4-FFF2-40B4-BE49-F238E27FC236}">
-                    <a16:creationId xmlns:a16="http://schemas.microsoft.com/office/drawing/2014/main" id="{A1E4CA42-37D8-060B-6434-950EBBB9AEB1}"/>
-                  </a:ext>
-                </a:extLst>
-              </p:cNvPr>
-              <p:cNvPicPr>
-                <a:picLocks noChangeAspect="1"/>
-              </p:cNvPicPr>
-              <p:nvPr/>
-            </p:nvPicPr>
-            <p:blipFill>
-              <a:blip r:embed="rId3"/>
-              <a:srcRect/>
-              <a:stretch/>
-            </p:blipFill>
-            <p:spPr>
-              <a:xfrm>
-                <a:off x="1415850" y="4664302"/>
-                <a:ext cx="19791777" cy="3534246"/>
-              </a:xfrm>
-              <a:prstGeom prst="rect">
-                <a:avLst/>
-              </a:prstGeom>
-            </p:spPr>
-          </p:pic>
-          <p:pic>
-            <p:nvPicPr>
-              <p:cNvPr id="8" name="Picture 7">
-                <a:extLst>
-                  <a:ext uri="{FF2B5EF4-FFF2-40B4-BE49-F238E27FC236}">
-                    <a16:creationId xmlns:a16="http://schemas.microsoft.com/office/drawing/2014/main" id="{C0CA7C80-9903-0DEB-5E25-C25E9A5C3D98}"/>
-                  </a:ext>
-                </a:extLst>
-              </p:cNvPr>
-              <p:cNvPicPr>
-                <a:picLocks noChangeAspect="1"/>
-              </p:cNvPicPr>
-              <p:nvPr/>
-            </p:nvPicPr>
-            <p:blipFill>
-              <a:blip r:embed="rId4"/>
-              <a:srcRect/>
-              <a:stretch/>
-            </p:blipFill>
-            <p:spPr>
-              <a:xfrm>
-                <a:off x="1415851" y="939522"/>
-                <a:ext cx="19791777" cy="3534246"/>
-              </a:xfrm>
-              <a:prstGeom prst="rect">
-                <a:avLst/>
-              </a:prstGeom>
-            </p:spPr>
-          </p:pic>
-          <p:sp>
-            <p:nvSpPr>
-              <p:cNvPr id="9" name="TextBox 8">
-                <a:extLst>
-                  <a:ext uri="{FF2B5EF4-FFF2-40B4-BE49-F238E27FC236}">
-                    <a16:creationId xmlns:a16="http://schemas.microsoft.com/office/drawing/2014/main" id="{728ACCB6-CFDF-F3CA-E20A-12E73D0213CF}"/>
-                  </a:ext>
-                </a:extLst>
-              </p:cNvPr>
-              <p:cNvSpPr txBox="1"/>
-              <p:nvPr/>
-            </p:nvSpPr>
-            <p:spPr>
-              <a:xfrm>
-                <a:off x="131998" y="2223386"/>
-                <a:ext cx="2104839" cy="1362831"/>
-              </a:xfrm>
-              <a:prstGeom prst="rect">
-                <a:avLst/>
-              </a:prstGeom>
-              <a:noFill/>
-            </p:spPr>
-            <p:txBody>
-              <a:bodyPr wrap="square">
-                <a:spAutoFit/>
-              </a:bodyPr>
-              <a:lstStyle/>
-              <a:p>
-                <a:r>
-                  <a:rPr lang="en-US" sz="1575" dirty="0">
-                    <a:latin typeface="Tw Cen MT" panose="020B0602020104020603" pitchFamily="34" charset="77"/>
-                    <a:ea typeface="Open Sans" pitchFamily="2" charset="0"/>
-                    <a:cs typeface="Open Sans" pitchFamily="2" charset="0"/>
-                  </a:rPr>
-                  <a:t>UCLA CNP</a:t>
-                </a:r>
-                <a:endParaRPr lang="en-AU" sz="1575" dirty="0">
-                  <a:latin typeface="Tw Cen MT" panose="020B0602020104020603" pitchFamily="34" charset="77"/>
-                  <a:ea typeface="Open Sans" pitchFamily="2" charset="0"/>
-                  <a:cs typeface="Open Sans" pitchFamily="2" charset="0"/>
-                </a:endParaRPr>
-              </a:p>
-            </p:txBody>
-          </p:sp>
-          <p:sp>
-            <p:nvSpPr>
-              <p:cNvPr id="11" name="TextBox 10">
-                <a:extLst>
-                  <a:ext uri="{FF2B5EF4-FFF2-40B4-BE49-F238E27FC236}">
-                    <a16:creationId xmlns:a16="http://schemas.microsoft.com/office/drawing/2014/main" id="{5887FF94-840F-09B5-76A8-F720A08CB7AB}"/>
-                  </a:ext>
-                </a:extLst>
-              </p:cNvPr>
-              <p:cNvSpPr txBox="1"/>
-              <p:nvPr/>
-            </p:nvSpPr>
-            <p:spPr>
-              <a:xfrm>
-                <a:off x="131998" y="6449611"/>
-                <a:ext cx="2104839" cy="790442"/>
-              </a:xfrm>
-              <a:prstGeom prst="rect">
-                <a:avLst/>
-              </a:prstGeom>
-              <a:noFill/>
-            </p:spPr>
-            <p:txBody>
-              <a:bodyPr wrap="square">
-                <a:spAutoFit/>
-              </a:bodyPr>
-              <a:lstStyle/>
-              <a:p>
-                <a:r>
-                  <a:rPr lang="en-US" sz="1575" dirty="0">
-                    <a:latin typeface="Tw Cen MT" panose="020B0602020104020603" pitchFamily="34" charset="77"/>
-                    <a:ea typeface="Open Sans" pitchFamily="2" charset="0"/>
-                    <a:cs typeface="Open Sans" pitchFamily="2" charset="0"/>
-                  </a:rPr>
-                  <a:t>ABIDE</a:t>
-                </a:r>
-                <a:endParaRPr lang="en-AU" sz="1575" dirty="0">
-                  <a:latin typeface="Tw Cen MT" panose="020B0602020104020603" pitchFamily="34" charset="77"/>
-                  <a:ea typeface="Open Sans" pitchFamily="2" charset="0"/>
-                  <a:cs typeface="Open Sans" pitchFamily="2" charset="0"/>
-                </a:endParaRPr>
-              </a:p>
-            </p:txBody>
-          </p:sp>
-        </p:grpSp>
-        <p:sp>
-          <p:nvSpPr>
-            <p:cNvPr id="3" name="TextBox 2">
-              <a:extLst>
-                <a:ext uri="{FF2B5EF4-FFF2-40B4-BE49-F238E27FC236}">
-                  <a16:creationId xmlns:a16="http://schemas.microsoft.com/office/drawing/2014/main" id="{C7E04062-A847-894C-4AAC-B6717E684FE2}"/>
-                </a:ext>
-              </a:extLst>
-            </p:cNvPr>
-            <p:cNvSpPr txBox="1"/>
-            <p:nvPr/>
-          </p:nvSpPr>
-          <p:spPr>
-            <a:xfrm>
-              <a:off x="3419855" y="374494"/>
-              <a:ext cx="1584702" cy="656676"/>
-            </a:xfrm>
-            <a:prstGeom prst="rect">
-              <a:avLst/>
-            </a:prstGeom>
-            <a:noFill/>
-          </p:spPr>
-          <p:txBody>
-            <a:bodyPr wrap="square">
-              <a:spAutoFit/>
-            </a:bodyPr>
-            <a:lstStyle/>
-            <a:p>
-              <a:r>
-                <a:rPr lang="en-US" b="1" dirty="0">
-                  <a:latin typeface="Tw Cen MT" panose="020B0602020104020603" pitchFamily="34" charset="77"/>
-                  <a:ea typeface="Open Sans" pitchFamily="2" charset="0"/>
-                  <a:cs typeface="Open Sans" pitchFamily="2" charset="0"/>
-                </a:rPr>
-                <a:t>A</a:t>
-              </a:r>
-              <a:endParaRPr lang="en-AU" b="1" dirty="0">
+          <a:prstGeom prst="rect">
+            <a:avLst/>
+          </a:prstGeom>
+          <a:noFill/>
+        </p:spPr>
+        <p:txBody>
+          <a:bodyPr wrap="square">
+            <a:spAutoFit/>
+          </a:bodyPr>
+          <a:lstStyle/>
+          <a:p>
+            <a:r>
+              <a:rPr lang="en-US" sz="1400" dirty="0">
                 <a:latin typeface="Tw Cen MT" panose="020B0602020104020603" pitchFamily="34" charset="77"/>
                 <a:ea typeface="Open Sans" pitchFamily="2" charset="0"/>
                 <a:cs typeface="Open Sans" pitchFamily="2" charset="0"/>
-              </a:endParaRPr>
-            </a:p>
-          </p:txBody>
-        </p:sp>
-      </p:grpSp>
-      <p:grpSp>
-        <p:nvGrpSpPr>
-          <p:cNvPr id="24" name="Group 23">
-            <a:extLst>
-              <a:ext uri="{FF2B5EF4-FFF2-40B4-BE49-F238E27FC236}">
-                <a16:creationId xmlns:a16="http://schemas.microsoft.com/office/drawing/2014/main" id="{A73A2C6B-6F45-DA80-F805-C0CAB6C4647D}"/>
-              </a:ext>
-            </a:extLst>
-          </p:cNvPr>
-          <p:cNvGrpSpPr/>
+              </a:rPr>
+              <a:t>UCLA CNP Univariate</a:t>
+            </a:r>
+            <a:endParaRPr lang="en-AU" sz="1400" dirty="0">
+              <a:latin typeface="Tw Cen MT" panose="020B0602020104020603" pitchFamily="34" charset="77"/>
+              <a:ea typeface="Open Sans" pitchFamily="2" charset="0"/>
+              <a:cs typeface="Open Sans" pitchFamily="2" charset="0"/>
+            </a:endParaRPr>
+          </a:p>
+        </p:txBody>
+      </p:sp>
+      <p:sp>
+        <p:nvSpPr>
+          <p:cNvPr id="11" name="TextBox 10">
+            <a:extLst>
+              <a:ext uri="{FF2B5EF4-FFF2-40B4-BE49-F238E27FC236}">
+                <a16:creationId xmlns:a16="http://schemas.microsoft.com/office/drawing/2014/main" id="{5887FF94-840F-09B5-76A8-F720A08CB7AB}"/>
+              </a:ext>
+            </a:extLst>
+          </p:cNvPr>
+          <p:cNvSpPr txBox="1"/>
           <p:nvPr/>
-        </p:nvGrpSpPr>
-        <p:grpSpPr>
+        </p:nvSpPr>
+        <p:spPr>
           <a:xfrm>
-            <a:off x="105553" y="3316233"/>
-            <a:ext cx="8924326" cy="3073783"/>
-            <a:chOff x="3419855" y="374494"/>
-            <a:chExt cx="15867534" cy="5465214"/>
+            <a:off x="302615" y="1705402"/>
+            <a:ext cx="1712998" cy="307777"/>
           </a:xfrm>
-        </p:grpSpPr>
-        <p:grpSp>
-          <p:nvGrpSpPr>
-            <p:cNvPr id="25" name="Group 24">
-              <a:extLst>
-                <a:ext uri="{FF2B5EF4-FFF2-40B4-BE49-F238E27FC236}">
-                  <a16:creationId xmlns:a16="http://schemas.microsoft.com/office/drawing/2014/main" id="{44AFE480-0DCD-8B60-2D28-1E5759425215}"/>
-                </a:ext>
-              </a:extLst>
-            </p:cNvPr>
-            <p:cNvGrpSpPr/>
-            <p:nvPr/>
-          </p:nvGrpSpPr>
-          <p:grpSpPr>
-            <a:xfrm>
-              <a:off x="3419856" y="374494"/>
-              <a:ext cx="15867533" cy="5465214"/>
-              <a:chOff x="131998" y="939522"/>
-              <a:chExt cx="21075630" cy="7259026"/>
-            </a:xfrm>
-          </p:grpSpPr>
-          <p:pic>
-            <p:nvPicPr>
-              <p:cNvPr id="27" name="Picture 26">
-                <a:extLst>
-                  <a:ext uri="{FF2B5EF4-FFF2-40B4-BE49-F238E27FC236}">
-                    <a16:creationId xmlns:a16="http://schemas.microsoft.com/office/drawing/2014/main" id="{8711741A-5237-B0A6-9B9C-A9052E0F8AD0}"/>
-                  </a:ext>
-                </a:extLst>
-              </p:cNvPr>
-              <p:cNvPicPr>
-                <a:picLocks noChangeAspect="1"/>
-              </p:cNvPicPr>
-              <p:nvPr/>
-            </p:nvPicPr>
-            <p:blipFill>
-              <a:blip r:embed="rId5"/>
-              <a:srcRect/>
-              <a:stretch/>
-            </p:blipFill>
-            <p:spPr>
-              <a:xfrm>
-                <a:off x="1415850" y="4664302"/>
-                <a:ext cx="19791777" cy="3534246"/>
-              </a:xfrm>
-              <a:prstGeom prst="rect">
-                <a:avLst/>
-              </a:prstGeom>
-            </p:spPr>
-          </p:pic>
-          <p:pic>
-            <p:nvPicPr>
-              <p:cNvPr id="28" name="Picture 27">
-                <a:extLst>
-                  <a:ext uri="{FF2B5EF4-FFF2-40B4-BE49-F238E27FC236}">
-                    <a16:creationId xmlns:a16="http://schemas.microsoft.com/office/drawing/2014/main" id="{C4C8B5BC-0AF8-A4A9-D0E2-31FB62CED4A2}"/>
-                  </a:ext>
-                </a:extLst>
-              </p:cNvPr>
-              <p:cNvPicPr>
-                <a:picLocks noChangeAspect="1"/>
-              </p:cNvPicPr>
-              <p:nvPr/>
-            </p:nvPicPr>
-            <p:blipFill>
-              <a:blip r:embed="rId6"/>
-              <a:srcRect/>
-              <a:stretch/>
-            </p:blipFill>
-            <p:spPr>
-              <a:xfrm>
-                <a:off x="1415851" y="939522"/>
-                <a:ext cx="19791777" cy="3534246"/>
-              </a:xfrm>
-              <a:prstGeom prst="rect">
-                <a:avLst/>
-              </a:prstGeom>
-            </p:spPr>
-          </p:pic>
-          <p:sp>
-            <p:nvSpPr>
-              <p:cNvPr id="29" name="TextBox 28">
-                <a:extLst>
-                  <a:ext uri="{FF2B5EF4-FFF2-40B4-BE49-F238E27FC236}">
-                    <a16:creationId xmlns:a16="http://schemas.microsoft.com/office/drawing/2014/main" id="{6C5A02D9-D2FB-0994-84EE-2D124540EDE8}"/>
-                  </a:ext>
-                </a:extLst>
-              </p:cNvPr>
-              <p:cNvSpPr txBox="1"/>
-              <p:nvPr/>
-            </p:nvSpPr>
-            <p:spPr>
-              <a:xfrm>
-                <a:off x="131998" y="2223386"/>
-                <a:ext cx="2104839" cy="1362831"/>
-              </a:xfrm>
-              <a:prstGeom prst="rect">
-                <a:avLst/>
-              </a:prstGeom>
-              <a:noFill/>
-            </p:spPr>
-            <p:txBody>
-              <a:bodyPr wrap="square">
-                <a:spAutoFit/>
-              </a:bodyPr>
-              <a:lstStyle/>
-              <a:p>
-                <a:r>
-                  <a:rPr lang="en-US" sz="1575" dirty="0">
-                    <a:latin typeface="Tw Cen MT" panose="020B0602020104020603" pitchFamily="34" charset="77"/>
-                    <a:ea typeface="Open Sans" pitchFamily="2" charset="0"/>
-                    <a:cs typeface="Open Sans" pitchFamily="2" charset="0"/>
-                  </a:rPr>
-                  <a:t>UCLA CNP</a:t>
-                </a:r>
-                <a:endParaRPr lang="en-AU" sz="1575" dirty="0">
-                  <a:latin typeface="Tw Cen MT" panose="020B0602020104020603" pitchFamily="34" charset="77"/>
-                  <a:ea typeface="Open Sans" pitchFamily="2" charset="0"/>
-                  <a:cs typeface="Open Sans" pitchFamily="2" charset="0"/>
-                </a:endParaRPr>
-              </a:p>
-            </p:txBody>
-          </p:sp>
-          <p:sp>
-            <p:nvSpPr>
-              <p:cNvPr id="30" name="TextBox 29">
-                <a:extLst>
-                  <a:ext uri="{FF2B5EF4-FFF2-40B4-BE49-F238E27FC236}">
-                    <a16:creationId xmlns:a16="http://schemas.microsoft.com/office/drawing/2014/main" id="{9098CBB8-8433-826D-AF84-973C99C961D1}"/>
-                  </a:ext>
-                </a:extLst>
-              </p:cNvPr>
-              <p:cNvSpPr txBox="1"/>
-              <p:nvPr/>
-            </p:nvSpPr>
-            <p:spPr>
-              <a:xfrm>
-                <a:off x="131998" y="6449611"/>
-                <a:ext cx="2104839" cy="790442"/>
-              </a:xfrm>
-              <a:prstGeom prst="rect">
-                <a:avLst/>
-              </a:prstGeom>
-              <a:noFill/>
-            </p:spPr>
-            <p:txBody>
-              <a:bodyPr wrap="square">
-                <a:spAutoFit/>
-              </a:bodyPr>
-              <a:lstStyle/>
-              <a:p>
-                <a:r>
-                  <a:rPr lang="en-US" sz="1575" dirty="0">
-                    <a:latin typeface="Tw Cen MT" panose="020B0602020104020603" pitchFamily="34" charset="77"/>
-                    <a:ea typeface="Open Sans" pitchFamily="2" charset="0"/>
-                    <a:cs typeface="Open Sans" pitchFamily="2" charset="0"/>
-                  </a:rPr>
-                  <a:t>ABIDE</a:t>
-                </a:r>
-                <a:endParaRPr lang="en-AU" sz="1575" dirty="0">
-                  <a:latin typeface="Tw Cen MT" panose="020B0602020104020603" pitchFamily="34" charset="77"/>
-                  <a:ea typeface="Open Sans" pitchFamily="2" charset="0"/>
-                  <a:cs typeface="Open Sans" pitchFamily="2" charset="0"/>
-                </a:endParaRPr>
-              </a:p>
-            </p:txBody>
-          </p:sp>
-        </p:grpSp>
-        <p:sp>
-          <p:nvSpPr>
-            <p:cNvPr id="26" name="TextBox 25">
-              <a:extLst>
-                <a:ext uri="{FF2B5EF4-FFF2-40B4-BE49-F238E27FC236}">
-                  <a16:creationId xmlns:a16="http://schemas.microsoft.com/office/drawing/2014/main" id="{499F7127-D358-8F70-6ECE-DB8E27FE85C9}"/>
-                </a:ext>
-              </a:extLst>
-            </p:cNvPr>
-            <p:cNvSpPr txBox="1"/>
-            <p:nvPr/>
-          </p:nvSpPr>
-          <p:spPr>
-            <a:xfrm>
-              <a:off x="3419855" y="374494"/>
-              <a:ext cx="1584702" cy="656676"/>
-            </a:xfrm>
-            <a:prstGeom prst="rect">
-              <a:avLst/>
-            </a:prstGeom>
-            <a:noFill/>
-          </p:spPr>
-          <p:txBody>
-            <a:bodyPr wrap="square">
-              <a:spAutoFit/>
-            </a:bodyPr>
-            <a:lstStyle/>
-            <a:p>
-              <a:r>
-                <a:rPr lang="en-US" b="1">
-                  <a:latin typeface="Tw Cen MT" panose="020B0602020104020603" pitchFamily="34" charset="77"/>
-                  <a:ea typeface="Open Sans" pitchFamily="2" charset="0"/>
-                  <a:cs typeface="Open Sans" pitchFamily="2" charset="0"/>
-                </a:rPr>
-                <a:t>B</a:t>
-              </a:r>
-              <a:endParaRPr lang="en-AU" b="1" dirty="0">
+          <a:prstGeom prst="rect">
+            <a:avLst/>
+          </a:prstGeom>
+          <a:noFill/>
+        </p:spPr>
+        <p:txBody>
+          <a:bodyPr wrap="square">
+            <a:spAutoFit/>
+          </a:bodyPr>
+          <a:lstStyle/>
+          <a:p>
+            <a:r>
+              <a:rPr lang="en-US" sz="1400" dirty="0">
                 <a:latin typeface="Tw Cen MT" panose="020B0602020104020603" pitchFamily="34" charset="77"/>
                 <a:ea typeface="Open Sans" pitchFamily="2" charset="0"/>
                 <a:cs typeface="Open Sans" pitchFamily="2" charset="0"/>
-              </a:endParaRPr>
-            </a:p>
-          </p:txBody>
-        </p:sp>
-      </p:grpSp>
+              </a:rPr>
+              <a:t>ABIDE Univariate</a:t>
+            </a:r>
+            <a:endParaRPr lang="en-AU" sz="1400" dirty="0">
+              <a:latin typeface="Tw Cen MT" panose="020B0602020104020603" pitchFamily="34" charset="77"/>
+              <a:ea typeface="Open Sans" pitchFamily="2" charset="0"/>
+              <a:cs typeface="Open Sans" pitchFamily="2" charset="0"/>
+            </a:endParaRPr>
+          </a:p>
+        </p:txBody>
+      </p:sp>
+      <p:sp>
+        <p:nvSpPr>
+          <p:cNvPr id="3" name="TextBox 2">
+            <a:extLst>
+              <a:ext uri="{FF2B5EF4-FFF2-40B4-BE49-F238E27FC236}">
+                <a16:creationId xmlns:a16="http://schemas.microsoft.com/office/drawing/2014/main" id="{C7E04062-A847-894C-4AAC-B6717E684FE2}"/>
+              </a:ext>
+            </a:extLst>
+          </p:cNvPr>
+          <p:cNvSpPr txBox="1"/>
+          <p:nvPr/>
+        </p:nvSpPr>
+        <p:spPr>
+          <a:xfrm>
+            <a:off x="0" y="23306"/>
+            <a:ext cx="891279" cy="369332"/>
+          </a:xfrm>
+          <a:prstGeom prst="rect">
+            <a:avLst/>
+          </a:prstGeom>
+          <a:noFill/>
+        </p:spPr>
+        <p:txBody>
+          <a:bodyPr wrap="square">
+            <a:spAutoFit/>
+          </a:bodyPr>
+          <a:lstStyle/>
+          <a:p>
+            <a:r>
+              <a:rPr lang="en-US" b="1" dirty="0">
+                <a:latin typeface="Tw Cen MT" panose="020B0602020104020603" pitchFamily="34" charset="77"/>
+                <a:ea typeface="Open Sans" pitchFamily="2" charset="0"/>
+                <a:cs typeface="Open Sans" pitchFamily="2" charset="0"/>
+              </a:rPr>
+              <a:t>A</a:t>
+            </a:r>
+            <a:endParaRPr lang="en-AU" b="1" dirty="0">
+              <a:latin typeface="Tw Cen MT" panose="020B0602020104020603" pitchFamily="34" charset="77"/>
+              <a:ea typeface="Open Sans" pitchFamily="2" charset="0"/>
+              <a:cs typeface="Open Sans" pitchFamily="2" charset="0"/>
+            </a:endParaRPr>
+          </a:p>
+        </p:txBody>
+      </p:sp>
+      <p:pic>
+        <p:nvPicPr>
+          <p:cNvPr id="6" name="Picture 5" descr="Diagram&#10;&#10;Description automatically generated with medium confidence">
+            <a:extLst>
+              <a:ext uri="{FF2B5EF4-FFF2-40B4-BE49-F238E27FC236}">
+                <a16:creationId xmlns:a16="http://schemas.microsoft.com/office/drawing/2014/main" id="{93CBFF77-E30D-7793-8A10-55CD19A8E1D5}"/>
+              </a:ext>
+            </a:extLst>
+          </p:cNvPr>
+          <p:cNvPicPr>
+            <a:picLocks noChangeAspect="1"/>
+          </p:cNvPicPr>
+          <p:nvPr/>
+        </p:nvPicPr>
+        <p:blipFill>
+          <a:blip r:embed="rId3"/>
+          <a:stretch>
+            <a:fillRect/>
+          </a:stretch>
+        </p:blipFill>
+        <p:spPr>
+          <a:xfrm>
+            <a:off x="302615" y="288223"/>
+            <a:ext cx="8353638" cy="1491720"/>
+          </a:xfrm>
+          <a:prstGeom prst="rect">
+            <a:avLst/>
+          </a:prstGeom>
+        </p:spPr>
+      </p:pic>
+      <p:pic>
+        <p:nvPicPr>
+          <p:cNvPr id="10" name="Picture 9" descr="A picture containing graphical user interface&#10;&#10;Description automatically generated">
+            <a:extLst>
+              <a:ext uri="{FF2B5EF4-FFF2-40B4-BE49-F238E27FC236}">
+                <a16:creationId xmlns:a16="http://schemas.microsoft.com/office/drawing/2014/main" id="{7A1121D9-4F4F-4E2D-CFAE-7B7545A1C517}"/>
+              </a:ext>
+            </a:extLst>
+          </p:cNvPr>
+          <p:cNvPicPr>
+            <a:picLocks noChangeAspect="1"/>
+          </p:cNvPicPr>
+          <p:nvPr/>
+        </p:nvPicPr>
+        <p:blipFill>
+          <a:blip r:embed="rId4"/>
+          <a:stretch>
+            <a:fillRect/>
+          </a:stretch>
+        </p:blipFill>
+        <p:spPr>
+          <a:xfrm>
+            <a:off x="302615" y="1951461"/>
+            <a:ext cx="8353635" cy="1491720"/>
+          </a:xfrm>
+          <a:prstGeom prst="rect">
+            <a:avLst/>
+          </a:prstGeom>
+        </p:spPr>
+      </p:pic>
+      <p:sp>
+        <p:nvSpPr>
+          <p:cNvPr id="12" name="TextBox 11">
+            <a:extLst>
+              <a:ext uri="{FF2B5EF4-FFF2-40B4-BE49-F238E27FC236}">
+                <a16:creationId xmlns:a16="http://schemas.microsoft.com/office/drawing/2014/main" id="{CCEF29E8-8FC1-E9F2-6492-561C5CB900EB}"/>
+              </a:ext>
+            </a:extLst>
+          </p:cNvPr>
+          <p:cNvSpPr txBox="1"/>
+          <p:nvPr/>
+        </p:nvSpPr>
+        <p:spPr>
+          <a:xfrm>
+            <a:off x="302615" y="3408603"/>
+            <a:ext cx="4082988" cy="307777"/>
+          </a:xfrm>
+          <a:prstGeom prst="rect">
+            <a:avLst/>
+          </a:prstGeom>
+          <a:noFill/>
+        </p:spPr>
+        <p:txBody>
+          <a:bodyPr wrap="square">
+            <a:spAutoFit/>
+          </a:bodyPr>
+          <a:lstStyle/>
+          <a:p>
+            <a:r>
+              <a:rPr lang="en-US" sz="1400" dirty="0">
+                <a:latin typeface="Tw Cen MT" panose="020B0602020104020603" pitchFamily="34" charset="77"/>
+                <a:ea typeface="Open Sans" pitchFamily="2" charset="0"/>
+                <a:cs typeface="Open Sans" pitchFamily="2" charset="0"/>
+              </a:rPr>
+              <a:t>UCLA CNP Pairwise</a:t>
+            </a:r>
+            <a:endParaRPr lang="en-AU" sz="1400" dirty="0">
+              <a:latin typeface="Tw Cen MT" panose="020B0602020104020603" pitchFamily="34" charset="77"/>
+              <a:ea typeface="Open Sans" pitchFamily="2" charset="0"/>
+              <a:cs typeface="Open Sans" pitchFamily="2" charset="0"/>
+            </a:endParaRPr>
+          </a:p>
+        </p:txBody>
+      </p:sp>
+      <p:sp>
+        <p:nvSpPr>
+          <p:cNvPr id="14" name="TextBox 13">
+            <a:extLst>
+              <a:ext uri="{FF2B5EF4-FFF2-40B4-BE49-F238E27FC236}">
+                <a16:creationId xmlns:a16="http://schemas.microsoft.com/office/drawing/2014/main" id="{DCFB6B9B-58C4-A93E-2127-11A8D2C41F4D}"/>
+              </a:ext>
+            </a:extLst>
+          </p:cNvPr>
+          <p:cNvSpPr txBox="1"/>
+          <p:nvPr/>
+        </p:nvSpPr>
+        <p:spPr>
+          <a:xfrm>
+            <a:off x="302615" y="5055699"/>
+            <a:ext cx="1712998" cy="307777"/>
+          </a:xfrm>
+          <a:prstGeom prst="rect">
+            <a:avLst/>
+          </a:prstGeom>
+          <a:noFill/>
+        </p:spPr>
+        <p:txBody>
+          <a:bodyPr wrap="square">
+            <a:spAutoFit/>
+          </a:bodyPr>
+          <a:lstStyle/>
+          <a:p>
+            <a:r>
+              <a:rPr lang="en-US" sz="1400" dirty="0">
+                <a:latin typeface="Tw Cen MT" panose="020B0602020104020603" pitchFamily="34" charset="77"/>
+                <a:ea typeface="Open Sans" pitchFamily="2" charset="0"/>
+                <a:cs typeface="Open Sans" pitchFamily="2" charset="0"/>
+              </a:rPr>
+              <a:t>ABIDE Pairwise</a:t>
+            </a:r>
+            <a:endParaRPr lang="en-AU" sz="1400" dirty="0">
+              <a:latin typeface="Tw Cen MT" panose="020B0602020104020603" pitchFamily="34" charset="77"/>
+              <a:ea typeface="Open Sans" pitchFamily="2" charset="0"/>
+              <a:cs typeface="Open Sans" pitchFamily="2" charset="0"/>
+            </a:endParaRPr>
+          </a:p>
+        </p:txBody>
+      </p:sp>
+      <p:sp>
+        <p:nvSpPr>
+          <p:cNvPr id="15" name="TextBox 14">
+            <a:extLst>
+              <a:ext uri="{FF2B5EF4-FFF2-40B4-BE49-F238E27FC236}">
+                <a16:creationId xmlns:a16="http://schemas.microsoft.com/office/drawing/2014/main" id="{1B62B523-59E5-F278-9FD1-E5FBECA382CF}"/>
+              </a:ext>
+            </a:extLst>
+          </p:cNvPr>
+          <p:cNvSpPr txBox="1"/>
+          <p:nvPr/>
+        </p:nvSpPr>
+        <p:spPr>
+          <a:xfrm>
+            <a:off x="0" y="3374353"/>
+            <a:ext cx="891279" cy="369332"/>
+          </a:xfrm>
+          <a:prstGeom prst="rect">
+            <a:avLst/>
+          </a:prstGeom>
+          <a:noFill/>
+        </p:spPr>
+        <p:txBody>
+          <a:bodyPr wrap="square">
+            <a:spAutoFit/>
+          </a:bodyPr>
+          <a:lstStyle/>
+          <a:p>
+            <a:r>
+              <a:rPr lang="en-US" b="1" dirty="0">
+                <a:latin typeface="Tw Cen MT" panose="020B0602020104020603" pitchFamily="34" charset="77"/>
+                <a:ea typeface="Open Sans" pitchFamily="2" charset="0"/>
+                <a:cs typeface="Open Sans" pitchFamily="2" charset="0"/>
+              </a:rPr>
+              <a:t>B</a:t>
+            </a:r>
+            <a:endParaRPr lang="en-AU" b="1" dirty="0">
+              <a:latin typeface="Tw Cen MT" panose="020B0602020104020603" pitchFamily="34" charset="77"/>
+              <a:ea typeface="Open Sans" pitchFamily="2" charset="0"/>
+              <a:cs typeface="Open Sans" pitchFamily="2" charset="0"/>
+            </a:endParaRPr>
+          </a:p>
+        </p:txBody>
+      </p:sp>
+      <p:pic>
+        <p:nvPicPr>
+          <p:cNvPr id="22" name="Picture 21" descr="Diagram&#10;&#10;Description automatically generated with low confidence">
+            <a:extLst>
+              <a:ext uri="{FF2B5EF4-FFF2-40B4-BE49-F238E27FC236}">
+                <a16:creationId xmlns:a16="http://schemas.microsoft.com/office/drawing/2014/main" id="{29EABF59-4A13-2DA0-B3BC-2299DEB974D0}"/>
+              </a:ext>
+            </a:extLst>
+          </p:cNvPr>
+          <p:cNvPicPr>
+            <a:picLocks noChangeAspect="1"/>
+          </p:cNvPicPr>
+          <p:nvPr/>
+        </p:nvPicPr>
+        <p:blipFill>
+          <a:blip r:embed="rId5"/>
+          <a:stretch>
+            <a:fillRect/>
+          </a:stretch>
+        </p:blipFill>
+        <p:spPr>
+          <a:xfrm>
+            <a:off x="302615" y="3653615"/>
+            <a:ext cx="8318766" cy="1485494"/>
+          </a:xfrm>
+          <a:prstGeom prst="rect">
+            <a:avLst/>
+          </a:prstGeom>
+        </p:spPr>
+      </p:pic>
+      <p:pic>
+        <p:nvPicPr>
+          <p:cNvPr id="31" name="Picture 30" descr="Diagram&#10;&#10;Description automatically generated with medium confidence">
+            <a:extLst>
+              <a:ext uri="{FF2B5EF4-FFF2-40B4-BE49-F238E27FC236}">
+                <a16:creationId xmlns:a16="http://schemas.microsoft.com/office/drawing/2014/main" id="{D9BD9771-FFC5-EC52-A37C-BA6EF6944F1F}"/>
+              </a:ext>
+            </a:extLst>
+          </p:cNvPr>
+          <p:cNvPicPr>
+            <a:picLocks noChangeAspect="1"/>
+          </p:cNvPicPr>
+          <p:nvPr/>
+        </p:nvPicPr>
+        <p:blipFill>
+          <a:blip r:embed="rId6"/>
+          <a:stretch>
+            <a:fillRect/>
+          </a:stretch>
+        </p:blipFill>
+        <p:spPr>
+          <a:xfrm>
+            <a:off x="337484" y="5298075"/>
+            <a:ext cx="8283897" cy="1479267"/>
+          </a:xfrm>
+          <a:prstGeom prst="rect">
+            <a:avLst/>
+          </a:prstGeom>
+        </p:spPr>
+      </p:pic>
     </p:spTree>
     <p:extLst>
       <p:ext uri="{BB962C8B-B14F-4D97-AF65-F5344CB8AC3E}">

--- a/plots/Manuscript_Draft/normalisation_analysis/normalisation_analysis.pptx
+++ b/plots/Manuscript_Draft/normalisation_analysis/normalisation_analysis.pptx
@@ -197,7 +197,7 @@
           <a:p>
             <a:fld id="{4975F597-C9E6-5340-A013-5D29232D8A98}" type="datetimeFigureOut">
               <a:rPr lang="en-AU" smtClean="0"/>
-              <a:t>23/3/2023</a:t>
+              <a:t>3/7/2023</a:t>
             </a:fld>
             <a:endParaRPr lang="en-AU"/>
           </a:p>
@@ -698,7 +698,7 @@
           <a:p>
             <a:fld id="{DC911456-B642-9E4A-B90A-EDCCB7A47560}" type="datetimeFigureOut">
               <a:rPr lang="en-AU" smtClean="0"/>
-              <a:t>23/3/2023</a:t>
+              <a:t>3/7/2023</a:t>
             </a:fld>
             <a:endParaRPr lang="en-AU"/>
           </a:p>
@@ -898,7 +898,7 @@
           <a:p>
             <a:fld id="{DC911456-B642-9E4A-B90A-EDCCB7A47560}" type="datetimeFigureOut">
               <a:rPr lang="en-AU" smtClean="0"/>
-              <a:t>23/3/2023</a:t>
+              <a:t>3/7/2023</a:t>
             </a:fld>
             <a:endParaRPr lang="en-AU"/>
           </a:p>
@@ -1108,7 +1108,7 @@
           <a:p>
             <a:fld id="{DC911456-B642-9E4A-B90A-EDCCB7A47560}" type="datetimeFigureOut">
               <a:rPr lang="en-AU" smtClean="0"/>
-              <a:t>23/3/2023</a:t>
+              <a:t>3/7/2023</a:t>
             </a:fld>
             <a:endParaRPr lang="en-AU"/>
           </a:p>
@@ -1308,7 +1308,7 @@
           <a:p>
             <a:fld id="{DC911456-B642-9E4A-B90A-EDCCB7A47560}" type="datetimeFigureOut">
               <a:rPr lang="en-AU" smtClean="0"/>
-              <a:t>23/3/2023</a:t>
+              <a:t>3/7/2023</a:t>
             </a:fld>
             <a:endParaRPr lang="en-AU"/>
           </a:p>
@@ -1584,7 +1584,7 @@
           <a:p>
             <a:fld id="{DC911456-B642-9E4A-B90A-EDCCB7A47560}" type="datetimeFigureOut">
               <a:rPr lang="en-AU" smtClean="0"/>
-              <a:t>23/3/2023</a:t>
+              <a:t>3/7/2023</a:t>
             </a:fld>
             <a:endParaRPr lang="en-AU"/>
           </a:p>
@@ -1852,7 +1852,7 @@
           <a:p>
             <a:fld id="{DC911456-B642-9E4A-B90A-EDCCB7A47560}" type="datetimeFigureOut">
               <a:rPr lang="en-AU" smtClean="0"/>
-              <a:t>23/3/2023</a:t>
+              <a:t>3/7/2023</a:t>
             </a:fld>
             <a:endParaRPr lang="en-AU"/>
           </a:p>
@@ -2267,7 +2267,7 @@
           <a:p>
             <a:fld id="{DC911456-B642-9E4A-B90A-EDCCB7A47560}" type="datetimeFigureOut">
               <a:rPr lang="en-AU" smtClean="0"/>
-              <a:t>23/3/2023</a:t>
+              <a:t>3/7/2023</a:t>
             </a:fld>
             <a:endParaRPr lang="en-AU"/>
           </a:p>
@@ -2409,7 +2409,7 @@
           <a:p>
             <a:fld id="{DC911456-B642-9E4A-B90A-EDCCB7A47560}" type="datetimeFigureOut">
               <a:rPr lang="en-AU" smtClean="0"/>
-              <a:t>23/3/2023</a:t>
+              <a:t>3/7/2023</a:t>
             </a:fld>
             <a:endParaRPr lang="en-AU"/>
           </a:p>
@@ -2522,7 +2522,7 @@
           <a:p>
             <a:fld id="{DC911456-B642-9E4A-B90A-EDCCB7A47560}" type="datetimeFigureOut">
               <a:rPr lang="en-AU" smtClean="0"/>
-              <a:t>23/3/2023</a:t>
+              <a:t>3/7/2023</a:t>
             </a:fld>
             <a:endParaRPr lang="en-AU"/>
           </a:p>
@@ -2835,7 +2835,7 @@
           <a:p>
             <a:fld id="{DC911456-B642-9E4A-B90A-EDCCB7A47560}" type="datetimeFigureOut">
               <a:rPr lang="en-AU" smtClean="0"/>
-              <a:t>23/3/2023</a:t>
+              <a:t>3/7/2023</a:t>
             </a:fld>
             <a:endParaRPr lang="en-AU"/>
           </a:p>
@@ -3124,7 +3124,7 @@
           <a:p>
             <a:fld id="{DC911456-B642-9E4A-B90A-EDCCB7A47560}" type="datetimeFigureOut">
               <a:rPr lang="en-AU" smtClean="0"/>
-              <a:t>23/3/2023</a:t>
+              <a:t>3/7/2023</a:t>
             </a:fld>
             <a:endParaRPr lang="en-AU"/>
           </a:p>
@@ -3367,7 +3367,7 @@
           <a:p>
             <a:fld id="{DC911456-B642-9E4A-B90A-EDCCB7A47560}" type="datetimeFigureOut">
               <a:rPr lang="en-AU" smtClean="0"/>
-              <a:t>23/3/2023</a:t>
+              <a:t>3/7/2023</a:t>
             </a:fld>
             <a:endParaRPr lang="en-AU"/>
           </a:p>
@@ -3784,56 +3784,6 @@
           <a:chExt cx="0" cy="0"/>
         </a:xfrm>
       </p:grpSpPr>
-      <p:sp>
-        <p:nvSpPr>
-          <p:cNvPr id="4" name="TextBox 3">
-            <a:extLst>
-              <a:ext uri="{FF2B5EF4-FFF2-40B4-BE49-F238E27FC236}">
-                <a16:creationId xmlns:a16="http://schemas.microsoft.com/office/drawing/2014/main" id="{585550B3-866B-4D6F-F981-3ABB855DA627}"/>
-              </a:ext>
-            </a:extLst>
-          </p:cNvPr>
-          <p:cNvSpPr txBox="1"/>
-          <p:nvPr/>
-        </p:nvSpPr>
-        <p:spPr>
-          <a:xfrm>
-            <a:off x="0" y="-830997"/>
-            <a:ext cx="1352482" cy="830997"/>
-          </a:xfrm>
-          <a:prstGeom prst="rect">
-            <a:avLst/>
-          </a:prstGeom>
-          <a:noFill/>
-        </p:spPr>
-        <p:txBody>
-          <a:bodyPr wrap="square">
-            <a:spAutoFit/>
-          </a:bodyPr>
-          <a:lstStyle/>
-          <a:p>
-            <a:r>
-              <a:rPr lang="en-US" sz="2400" b="1" dirty="0">
-                <a:solidFill>
-                  <a:schemeClr val="bg1"/>
-                </a:solidFill>
-                <a:latin typeface="Tw Cen MT" panose="020B0602020104020603" pitchFamily="34" charset="77"/>
-                <a:ea typeface="Open Sans" pitchFamily="2" charset="0"/>
-                <a:cs typeface="Open Sans" pitchFamily="2" charset="0"/>
-              </a:rPr>
-              <a:t>Figure S4</a:t>
-            </a:r>
-            <a:endParaRPr lang="en-AU" sz="2400" b="1" dirty="0">
-              <a:solidFill>
-                <a:schemeClr val="bg1"/>
-              </a:solidFill>
-              <a:latin typeface="Tw Cen MT" panose="020B0602020104020603" pitchFamily="34" charset="77"/>
-              <a:ea typeface="Open Sans" pitchFamily="2" charset="0"/>
-              <a:cs typeface="Open Sans" pitchFamily="2" charset="0"/>
-            </a:endParaRPr>
-          </a:p>
-        </p:txBody>
-      </p:sp>
       <p:sp>
         <p:nvSpPr>
           <p:cNvPr id="9" name="TextBox 8">
